--- a/doc/HSA-KMT.pptx
+++ b/doc/HSA-KMT.pptx
@@ -5,10 +5,10 @@
     <p:sldMasterId id="2147483891" r:id="rId3"/>
   </p:sldMasterIdLst>
   <p:notesMasterIdLst>
-    <p:notesMasterId r:id="rId37"/>
+    <p:notesMasterId r:id="rId44"/>
   </p:notesMasterIdLst>
   <p:handoutMasterIdLst>
-    <p:handoutMasterId r:id="rId38"/>
+    <p:handoutMasterId r:id="rId45"/>
   </p:handoutMasterIdLst>
   <p:sldIdLst>
     <p:sldId id="2022" r:id="rId4"/>
@@ -44,6 +44,13 @@
     <p:sldId id="2025" r:id="rId34"/>
     <p:sldId id="2038" r:id="rId35"/>
     <p:sldId id="2065" r:id="rId36"/>
+    <p:sldId id="2066" r:id="rId37"/>
+    <p:sldId id="2067" r:id="rId38"/>
+    <p:sldId id="2069" r:id="rId39"/>
+    <p:sldId id="2071" r:id="rId40"/>
+    <p:sldId id="2070" r:id="rId41"/>
+    <p:sldId id="2068" r:id="rId42"/>
+    <p:sldId id="2072" r:id="rId43"/>
   </p:sldIdLst>
   <p:sldSz cx="12188825" cy="6858000"/>
   <p:notesSz cx="6858000" cy="4819650"/>
@@ -210,6 +217,13 @@
             <p14:sldId id="2025"/>
             <p14:sldId id="2038"/>
             <p14:sldId id="2065"/>
+            <p14:sldId id="2066"/>
+            <p14:sldId id="2067"/>
+            <p14:sldId id="2069"/>
+            <p14:sldId id="2071"/>
+            <p14:sldId id="2070"/>
+            <p14:sldId id="2068"/>
+            <p14:sldId id="2072"/>
           </p14:sldIdLst>
         </p14:section>
       </p14:sectionLst>
@@ -434,7 +448,7 @@
               <a:pPr>
                 <a:defRPr/>
               </a:pPr>
-              <a:t>8/19/2020</a:t>
+              <a:t>8/23/2020</a:t>
             </a:fld>
             <a:endParaRPr lang="en-US"/>
           </a:p>
@@ -653,7 +667,7 @@
               <a:pPr>
                 <a:defRPr/>
               </a:pPr>
-              <a:t>8/19/2020</a:t>
+              <a:t>8/23/2020</a:t>
             </a:fld>
             <a:endParaRPr lang="en-US"/>
           </a:p>
@@ -3874,6 +3888,96 @@
     <p:extLst>
       <p:ext uri="{BB962C8B-B14F-4D97-AF65-F5344CB8AC3E}">
         <p14:creationId xmlns:p14="http://schemas.microsoft.com/office/powerpoint/2010/main" val="271884480"/>
+      </p:ext>
+    </p:extLst>
+  </p:cSld>
+  <p:clrMapOvr>
+    <a:masterClrMapping/>
+  </p:clrMapOvr>
+</p:notes>
+</file>
+
+<file path=ppt/notesSlides/notesSlide28.xml><?xml version="1.0" encoding="utf-8"?>
+<p:notes xmlns:a="http://schemas.openxmlformats.org/drawingml/2006/main" xmlns:r="http://schemas.openxmlformats.org/officeDocument/2006/relationships" xmlns:p="http://schemas.openxmlformats.org/presentationml/2006/main">
+  <p:cSld>
+    <p:spTree>
+      <p:nvGrpSpPr>
+        <p:cNvPr id="1" name=""/>
+        <p:cNvGrpSpPr/>
+        <p:nvPr/>
+      </p:nvGrpSpPr>
+      <p:grpSpPr>
+        <a:xfrm>
+          <a:off x="0" y="0"/>
+          <a:ext cx="0" cy="0"/>
+          <a:chOff x="0" y="0"/>
+          <a:chExt cx="0" cy="0"/>
+        </a:xfrm>
+      </p:grpSpPr>
+      <p:sp>
+        <p:nvSpPr>
+          <p:cNvPr id="2" name="Slide Image Placeholder 1"/>
+          <p:cNvSpPr>
+            <a:spLocks noGrp="1" noRot="1" noChangeAspect="1"/>
+          </p:cNvSpPr>
+          <p:nvPr>
+            <p:ph type="sldImg"/>
+          </p:nvPr>
+        </p:nvSpPr>
+        <p:spPr/>
+      </p:sp>
+      <p:sp>
+        <p:nvSpPr>
+          <p:cNvPr id="3" name="Notes Placeholder 2"/>
+          <p:cNvSpPr>
+            <a:spLocks noGrp="1"/>
+          </p:cNvSpPr>
+          <p:nvPr>
+            <p:ph type="body" idx="1"/>
+          </p:nvPr>
+        </p:nvSpPr>
+        <p:spPr/>
+        <p:txBody>
+          <a:bodyPr/>
+          <a:lstStyle/>
+          <a:p>
+            <a:endParaRPr lang="en-US" dirty="0"/>
+          </a:p>
+        </p:txBody>
+      </p:sp>
+      <p:sp>
+        <p:nvSpPr>
+          <p:cNvPr id="4" name="Slide Number Placeholder 3"/>
+          <p:cNvSpPr>
+            <a:spLocks noGrp="1"/>
+          </p:cNvSpPr>
+          <p:nvPr>
+            <p:ph type="sldNum" sz="quarter" idx="5"/>
+          </p:nvPr>
+        </p:nvSpPr>
+        <p:spPr/>
+        <p:txBody>
+          <a:bodyPr/>
+          <a:lstStyle/>
+          <a:p>
+            <a:pPr>
+              <a:defRPr/>
+            </a:pPr>
+            <a:fld id="{829AFB38-0ABE-46A6-A2CD-91E75B392D15}" type="slidenum">
+              <a:rPr lang="en-US" smtClean="0"/>
+              <a:pPr>
+                <a:defRPr/>
+              </a:pPr>
+              <a:t>38</a:t>
+            </a:fld>
+            <a:endParaRPr lang="en-US"/>
+          </a:p>
+        </p:txBody>
+      </p:sp>
+    </p:spTree>
+    <p:extLst>
+      <p:ext uri="{BB962C8B-B14F-4D97-AF65-F5344CB8AC3E}">
+        <p14:creationId xmlns:p14="http://schemas.microsoft.com/office/powerpoint/2010/main" val="729429073"/>
       </p:ext>
     </p:extLst>
   </p:cSld>
@@ -6512,6 +6616,42 @@
           </a:p>
           <a:p>
             <a:pPr fontAlgn="ctr"/>
+            <a:r>
+              <a:rPr lang="zh-CN" altLang="en-US" dirty="0"/>
+              <a:t>或者替换：</a:t>
+            </a:r>
+            <a:endParaRPr lang="en-US" altLang="zh-CN" dirty="0"/>
+          </a:p>
+          <a:p>
+            <a:pPr lvl="1" fontAlgn="ctr"/>
+            <a:r>
+              <a:rPr lang="en-US" altLang="zh-CN" dirty="0"/>
+              <a:t>s</a:t>
+            </a:r>
+            <a:r>
+              <a:rPr lang="en-US" altLang="zh-CN"/>
+              <a:t>udo</a:t>
+            </a:r>
+            <a:r>
+              <a:rPr lang="en-US" altLang="zh-CN" dirty="0"/>
+              <a:t> cp build/libkmthsa.so* /opt/</a:t>
+            </a:r>
+            <a:r>
+              <a:rPr lang="en-US" altLang="zh-CN" dirty="0" err="1"/>
+              <a:t>rocm</a:t>
+            </a:r>
+            <a:r>
+              <a:rPr lang="en-US" altLang="zh-CN" dirty="0"/>
+              <a:t>/lib </a:t>
+            </a:r>
+            <a:endParaRPr lang="en-US" dirty="0"/>
+          </a:p>
+          <a:p>
+            <a:pPr lvl="1" fontAlgn="ctr"/>
+            <a:endParaRPr lang="en-US" dirty="0"/>
+          </a:p>
+          <a:p>
+            <a:pPr fontAlgn="ctr"/>
             <a:endParaRPr lang="en-US" sz="3000" dirty="0"/>
           </a:p>
         </p:txBody>
@@ -54239,6 +54379,1554 @@
 </p:sld>
 </file>
 
+<file path=ppt/slides/slide34.xml><?xml version="1.0" encoding="utf-8"?>
+<p:sld xmlns:a="http://schemas.openxmlformats.org/drawingml/2006/main" xmlns:r="http://schemas.openxmlformats.org/officeDocument/2006/relationships" xmlns:p="http://schemas.openxmlformats.org/presentationml/2006/main">
+  <p:cSld>
+    <p:spTree>
+      <p:nvGrpSpPr>
+        <p:cNvPr id="1" name=""/>
+        <p:cNvGrpSpPr/>
+        <p:nvPr/>
+      </p:nvGrpSpPr>
+      <p:grpSpPr>
+        <a:xfrm>
+          <a:off x="0" y="0"/>
+          <a:ext cx="0" cy="0"/>
+          <a:chOff x="0" y="0"/>
+          <a:chExt cx="0" cy="0"/>
+        </a:xfrm>
+      </p:grpSpPr>
+      <p:sp>
+        <p:nvSpPr>
+          <p:cNvPr id="2" name="Content Placeholder 1">
+            <a:extLst>
+              <a:ext uri="{FF2B5EF4-FFF2-40B4-BE49-F238E27FC236}">
+                <a16:creationId xmlns:a16="http://schemas.microsoft.com/office/drawing/2014/main" id="{62F0C778-32F6-4750-AA9D-CF74A2AD5ADD}"/>
+              </a:ext>
+            </a:extLst>
+          </p:cNvPr>
+          <p:cNvSpPr>
+            <a:spLocks noGrp="1"/>
+          </p:cNvSpPr>
+          <p:nvPr>
+            <p:ph idx="4294967295"/>
+          </p:nvPr>
+        </p:nvSpPr>
+        <p:spPr>
+          <a:xfrm>
+            <a:off x="313245" y="1117486"/>
+            <a:ext cx="11338560" cy="5201397"/>
+          </a:xfrm>
+        </p:spPr>
+        <p:txBody>
+          <a:bodyPr/>
+          <a:lstStyle/>
+          <a:p>
+            <a:pPr fontAlgn="ctr"/>
+            <a:r>
+              <a:rPr lang="zh-CN" altLang="en-US" dirty="0"/>
+              <a:t>用户不可见</a:t>
+            </a:r>
+            <a:endParaRPr lang="en-US" altLang="zh-CN" dirty="0"/>
+          </a:p>
+          <a:p>
+            <a:pPr fontAlgn="ctr"/>
+            <a:r>
+              <a:rPr lang="zh-CN" altLang="en-US" dirty="0"/>
+              <a:t>在</a:t>
+            </a:r>
+            <a:r>
+              <a:rPr lang="en-US" altLang="zh-CN" dirty="0" err="1"/>
+              <a:t>runtime_singleton</a:t>
+            </a:r>
+            <a:r>
+              <a:rPr lang="zh-CN" altLang="en-US" dirty="0"/>
+              <a:t>中的变量，变量名为</a:t>
+            </a:r>
+            <a:r>
+              <a:rPr lang="en-US" altLang="zh-CN" dirty="0" err="1"/>
+              <a:t>loader_context</a:t>
+            </a:r>
+            <a:r>
+              <a:rPr lang="en-US" altLang="zh-CN" dirty="0"/>
+              <a:t>_</a:t>
+            </a:r>
+            <a:r>
+              <a:rPr lang="zh-CN" altLang="en-US" dirty="0"/>
+              <a:t>，类型为</a:t>
+            </a:r>
+            <a:r>
+              <a:rPr lang="en-US" altLang="zh-CN" dirty="0" err="1"/>
+              <a:t>LoaderContext</a:t>
+            </a:r>
+            <a:r>
+              <a:rPr lang="zh-CN" altLang="en-US" dirty="0"/>
+              <a:t>，继承自</a:t>
+            </a:r>
+            <a:r>
+              <a:rPr lang="en-US" altLang="zh-CN" dirty="0"/>
+              <a:t>Context</a:t>
+            </a:r>
+            <a:r>
+              <a:rPr lang="zh-CN" altLang="en-US" dirty="0"/>
+              <a:t>。用来维护给</a:t>
+            </a:r>
+            <a:r>
+              <a:rPr lang="en-US" altLang="zh-CN" dirty="0"/>
+              <a:t>elf</a:t>
+            </a:r>
+            <a:r>
+              <a:rPr lang="zh-CN" altLang="en-US" dirty="0"/>
+              <a:t>的</a:t>
+            </a:r>
+            <a:r>
+              <a:rPr lang="en-US" altLang="zh-CN" dirty="0"/>
+              <a:t>segment</a:t>
+            </a:r>
+            <a:r>
+              <a:rPr lang="zh-CN" altLang="en-US" dirty="0"/>
+              <a:t>提供访存的函数</a:t>
+            </a:r>
+            <a:endParaRPr lang="en-US" sz="3000" dirty="0"/>
+          </a:p>
+        </p:txBody>
+      </p:sp>
+      <p:sp>
+        <p:nvSpPr>
+          <p:cNvPr id="3" name="Title 2">
+            <a:extLst>
+              <a:ext uri="{FF2B5EF4-FFF2-40B4-BE49-F238E27FC236}">
+                <a16:creationId xmlns:a16="http://schemas.microsoft.com/office/drawing/2014/main" id="{CEDC0840-5118-4BFD-899F-D50C1A686498}"/>
+              </a:ext>
+            </a:extLst>
+          </p:cNvPr>
+          <p:cNvSpPr>
+            <a:spLocks noGrp="1"/>
+          </p:cNvSpPr>
+          <p:nvPr>
+            <p:ph type="title"/>
+          </p:nvPr>
+        </p:nvSpPr>
+        <p:spPr>
+          <a:xfrm>
+            <a:off x="305624" y="278130"/>
+            <a:ext cx="11616919" cy="474345"/>
+          </a:xfrm>
+        </p:spPr>
+        <p:txBody>
+          <a:bodyPr/>
+          <a:lstStyle/>
+          <a:p>
+            <a:r>
+              <a:rPr lang="en-US" altLang="zh-CN" dirty="0"/>
+              <a:t>context</a:t>
+            </a:r>
+            <a:endParaRPr lang="en-US" dirty="0"/>
+          </a:p>
+        </p:txBody>
+      </p:sp>
+      <p:sp>
+        <p:nvSpPr>
+          <p:cNvPr id="5" name="Text Placeholder 3">
+            <a:extLst>
+              <a:ext uri="{FF2B5EF4-FFF2-40B4-BE49-F238E27FC236}">
+                <a16:creationId xmlns:a16="http://schemas.microsoft.com/office/drawing/2014/main" id="{9E8F81F1-ED04-471C-A3F8-730F28377FAA}"/>
+              </a:ext>
+            </a:extLst>
+          </p:cNvPr>
+          <p:cNvSpPr>
+            <a:spLocks noGrp="1"/>
+          </p:cNvSpPr>
+          <p:nvPr>
+            <p:ph type="body" sz="quarter" idx="10"/>
+          </p:nvPr>
+        </p:nvSpPr>
+        <p:spPr>
+          <a:xfrm>
+            <a:off x="313245" y="752475"/>
+            <a:ext cx="11616919" cy="365011"/>
+          </a:xfrm>
+        </p:spPr>
+        <p:txBody>
+          <a:bodyPr/>
+          <a:lstStyle/>
+          <a:p>
+            <a:endParaRPr lang="en-US" dirty="0"/>
+          </a:p>
+        </p:txBody>
+      </p:sp>
+    </p:spTree>
+    <p:extLst>
+      <p:ext uri="{BB962C8B-B14F-4D97-AF65-F5344CB8AC3E}">
+        <p14:creationId xmlns:p14="http://schemas.microsoft.com/office/powerpoint/2010/main" val="860241889"/>
+      </p:ext>
+    </p:extLst>
+  </p:cSld>
+  <p:clrMapOvr>
+    <a:masterClrMapping/>
+  </p:clrMapOvr>
+</p:sld>
+</file>
+
+<file path=ppt/slides/slide35.xml><?xml version="1.0" encoding="utf-8"?>
+<p:sld xmlns:a="http://schemas.openxmlformats.org/drawingml/2006/main" xmlns:r="http://schemas.openxmlformats.org/officeDocument/2006/relationships" xmlns:p="http://schemas.openxmlformats.org/presentationml/2006/main">
+  <p:cSld>
+    <p:spTree>
+      <p:nvGrpSpPr>
+        <p:cNvPr id="1" name=""/>
+        <p:cNvGrpSpPr/>
+        <p:nvPr/>
+      </p:nvGrpSpPr>
+      <p:grpSpPr>
+        <a:xfrm>
+          <a:off x="0" y="0"/>
+          <a:ext cx="0" cy="0"/>
+          <a:chOff x="0" y="0"/>
+          <a:chExt cx="0" cy="0"/>
+        </a:xfrm>
+      </p:grpSpPr>
+      <p:sp>
+        <p:nvSpPr>
+          <p:cNvPr id="2" name="Content Placeholder 1">
+            <a:extLst>
+              <a:ext uri="{FF2B5EF4-FFF2-40B4-BE49-F238E27FC236}">
+                <a16:creationId xmlns:a16="http://schemas.microsoft.com/office/drawing/2014/main" id="{62F0C778-32F6-4750-AA9D-CF74A2AD5ADD}"/>
+              </a:ext>
+            </a:extLst>
+          </p:cNvPr>
+          <p:cNvSpPr>
+            <a:spLocks noGrp="1"/>
+          </p:cNvSpPr>
+          <p:nvPr>
+            <p:ph idx="4294967295"/>
+          </p:nvPr>
+        </p:nvSpPr>
+        <p:spPr>
+          <a:xfrm>
+            <a:off x="313245" y="1117486"/>
+            <a:ext cx="11338560" cy="5201397"/>
+          </a:xfrm>
+        </p:spPr>
+        <p:txBody>
+          <a:bodyPr/>
+          <a:lstStyle/>
+          <a:p>
+            <a:pPr fontAlgn="ctr"/>
+            <a:r>
+              <a:rPr lang="zh-CN" altLang="en-US" dirty="0"/>
+              <a:t>用户不可见</a:t>
+            </a:r>
+            <a:endParaRPr lang="en-US" altLang="zh-CN" dirty="0"/>
+          </a:p>
+          <a:p>
+            <a:pPr fontAlgn="ctr"/>
+            <a:r>
+              <a:rPr lang="zh-CN" altLang="en-US" dirty="0"/>
+              <a:t>在</a:t>
+            </a:r>
+            <a:r>
+              <a:rPr lang="en-US" altLang="zh-CN" dirty="0" err="1"/>
+              <a:t>runtime_singleton</a:t>
+            </a:r>
+            <a:r>
+              <a:rPr lang="zh-CN" altLang="en-US" dirty="0"/>
+              <a:t>中的变量，变量名为</a:t>
+            </a:r>
+            <a:r>
+              <a:rPr lang="en-US" altLang="zh-CN" dirty="0"/>
+              <a:t>loader_</a:t>
+            </a:r>
+            <a:r>
+              <a:rPr lang="zh-CN" altLang="en-US" dirty="0"/>
+              <a:t>，类型为</a:t>
+            </a:r>
+            <a:r>
+              <a:rPr lang="en-US" altLang="zh-CN" dirty="0" err="1"/>
+              <a:t>AmdHsaCodeLoader</a:t>
+            </a:r>
+            <a:r>
+              <a:rPr lang="zh-CN" altLang="en-US" dirty="0"/>
+              <a:t>，继承自</a:t>
+            </a:r>
+            <a:r>
+              <a:rPr lang="en-US" altLang="zh-CN" dirty="0"/>
+              <a:t>amd::hsa::loader::Loader</a:t>
+            </a:r>
+            <a:r>
+              <a:rPr lang="zh-CN" altLang="en-US" dirty="0"/>
+              <a:t>。</a:t>
+            </a:r>
+            <a:endParaRPr lang="en-US" altLang="zh-CN" dirty="0"/>
+          </a:p>
+          <a:p>
+            <a:pPr fontAlgn="ctr"/>
+            <a:r>
+              <a:rPr lang="zh-CN" altLang="en-US" sz="3000" dirty="0"/>
+              <a:t>在初始化时由</a:t>
+            </a:r>
+            <a:r>
+              <a:rPr lang="en-US" altLang="zh-CN" sz="3000" dirty="0"/>
+              <a:t>amd::has::loader::Loader::Create()</a:t>
+            </a:r>
+            <a:r>
+              <a:rPr lang="zh-CN" altLang="en-US" sz="3000" dirty="0"/>
+              <a:t>函数创建，讲</a:t>
+            </a:r>
+            <a:r>
+              <a:rPr lang="en-US" altLang="zh-CN" sz="3000" dirty="0" err="1"/>
+              <a:t>runtime_singleton</a:t>
+            </a:r>
+            <a:r>
+              <a:rPr lang="zh-CN" altLang="en-US" sz="3000" dirty="0"/>
+              <a:t>中的</a:t>
+            </a:r>
+            <a:r>
+              <a:rPr lang="en-US" altLang="zh-CN" sz="3000" dirty="0" err="1"/>
+              <a:t>contex</a:t>
+            </a:r>
+            <a:r>
+              <a:rPr lang="zh-CN" altLang="en-US" sz="3000" dirty="0"/>
+              <a:t>变量传入。</a:t>
+            </a:r>
+            <a:endParaRPr lang="en-US" altLang="zh-CN" sz="3000" dirty="0"/>
+          </a:p>
+          <a:p>
+            <a:pPr fontAlgn="ctr"/>
+            <a:r>
+              <a:rPr lang="zh-CN" altLang="en-US" dirty="0"/>
+              <a:t>用来管理所有</a:t>
+            </a:r>
+            <a:r>
+              <a:rPr lang="en-US" altLang="zh-CN" dirty="0"/>
+              <a:t>executable</a:t>
+            </a:r>
+            <a:r>
+              <a:rPr lang="zh-CN" altLang="en-US" dirty="0"/>
+              <a:t>对象</a:t>
+            </a:r>
+            <a:endParaRPr lang="en-US" sz="3000" dirty="0"/>
+          </a:p>
+        </p:txBody>
+      </p:sp>
+      <p:sp>
+        <p:nvSpPr>
+          <p:cNvPr id="3" name="Title 2">
+            <a:extLst>
+              <a:ext uri="{FF2B5EF4-FFF2-40B4-BE49-F238E27FC236}">
+                <a16:creationId xmlns:a16="http://schemas.microsoft.com/office/drawing/2014/main" id="{CEDC0840-5118-4BFD-899F-D50C1A686498}"/>
+              </a:ext>
+            </a:extLst>
+          </p:cNvPr>
+          <p:cNvSpPr>
+            <a:spLocks noGrp="1"/>
+          </p:cNvSpPr>
+          <p:nvPr>
+            <p:ph type="title"/>
+          </p:nvPr>
+        </p:nvSpPr>
+        <p:spPr>
+          <a:xfrm>
+            <a:off x="305624" y="278130"/>
+            <a:ext cx="11616919" cy="474345"/>
+          </a:xfrm>
+        </p:spPr>
+        <p:txBody>
+          <a:bodyPr/>
+          <a:lstStyle/>
+          <a:p>
+            <a:r>
+              <a:rPr lang="en-US" altLang="zh-CN" dirty="0"/>
+              <a:t>loader</a:t>
+            </a:r>
+            <a:endParaRPr lang="en-US" dirty="0"/>
+          </a:p>
+        </p:txBody>
+      </p:sp>
+      <p:sp>
+        <p:nvSpPr>
+          <p:cNvPr id="5" name="Text Placeholder 3">
+            <a:extLst>
+              <a:ext uri="{FF2B5EF4-FFF2-40B4-BE49-F238E27FC236}">
+                <a16:creationId xmlns:a16="http://schemas.microsoft.com/office/drawing/2014/main" id="{9E8F81F1-ED04-471C-A3F8-730F28377FAA}"/>
+              </a:ext>
+            </a:extLst>
+          </p:cNvPr>
+          <p:cNvSpPr>
+            <a:spLocks noGrp="1"/>
+          </p:cNvSpPr>
+          <p:nvPr>
+            <p:ph type="body" sz="quarter" idx="10"/>
+          </p:nvPr>
+        </p:nvSpPr>
+        <p:spPr>
+          <a:xfrm>
+            <a:off x="313245" y="752475"/>
+            <a:ext cx="11616919" cy="365011"/>
+          </a:xfrm>
+        </p:spPr>
+        <p:txBody>
+          <a:bodyPr/>
+          <a:lstStyle/>
+          <a:p>
+            <a:endParaRPr lang="en-US" dirty="0"/>
+          </a:p>
+        </p:txBody>
+      </p:sp>
+    </p:spTree>
+    <p:extLst>
+      <p:ext uri="{BB962C8B-B14F-4D97-AF65-F5344CB8AC3E}">
+        <p14:creationId xmlns:p14="http://schemas.microsoft.com/office/powerpoint/2010/main" val="3436079207"/>
+      </p:ext>
+    </p:extLst>
+  </p:cSld>
+  <p:clrMapOvr>
+    <a:masterClrMapping/>
+  </p:clrMapOvr>
+</p:sld>
+</file>
+
+<file path=ppt/slides/slide36.xml><?xml version="1.0" encoding="utf-8"?>
+<p:sld xmlns:a="http://schemas.openxmlformats.org/drawingml/2006/main" xmlns:r="http://schemas.openxmlformats.org/officeDocument/2006/relationships" xmlns:p="http://schemas.openxmlformats.org/presentationml/2006/main">
+  <p:cSld>
+    <p:spTree>
+      <p:nvGrpSpPr>
+        <p:cNvPr id="1" name=""/>
+        <p:cNvGrpSpPr/>
+        <p:nvPr/>
+      </p:nvGrpSpPr>
+      <p:grpSpPr>
+        <a:xfrm>
+          <a:off x="0" y="0"/>
+          <a:ext cx="0" cy="0"/>
+          <a:chOff x="0" y="0"/>
+          <a:chExt cx="0" cy="0"/>
+        </a:xfrm>
+      </p:grpSpPr>
+      <p:sp>
+        <p:nvSpPr>
+          <p:cNvPr id="2" name="Content Placeholder 1">
+            <a:extLst>
+              <a:ext uri="{FF2B5EF4-FFF2-40B4-BE49-F238E27FC236}">
+                <a16:creationId xmlns:a16="http://schemas.microsoft.com/office/drawing/2014/main" id="{62F0C778-32F6-4750-AA9D-CF74A2AD5ADD}"/>
+              </a:ext>
+            </a:extLst>
+          </p:cNvPr>
+          <p:cNvSpPr>
+            <a:spLocks noGrp="1"/>
+          </p:cNvSpPr>
+          <p:nvPr>
+            <p:ph idx="4294967295"/>
+          </p:nvPr>
+        </p:nvSpPr>
+        <p:spPr>
+          <a:xfrm>
+            <a:off x="313245" y="1117486"/>
+            <a:ext cx="11338560" cy="5201397"/>
+          </a:xfrm>
+        </p:spPr>
+        <p:txBody>
+          <a:bodyPr/>
+          <a:lstStyle/>
+          <a:p>
+            <a:pPr fontAlgn="ctr"/>
+            <a:r>
+              <a:rPr lang="zh-CN" altLang="en-US" dirty="0"/>
+              <a:t>用户维护变量，用户可见类型为</a:t>
+            </a:r>
+            <a:r>
+              <a:rPr lang="en-US" altLang="zh-CN" dirty="0" err="1"/>
+              <a:t>hsa_code_object_t</a:t>
+            </a:r>
+            <a:r>
+              <a:rPr lang="zh-CN" altLang="en-US" dirty="0"/>
+              <a:t>。内部就是一个指针，与内部的</a:t>
+            </a:r>
+            <a:r>
+              <a:rPr lang="en-US" altLang="zh-CN" dirty="0" err="1"/>
+              <a:t>AmdHsaCode</a:t>
+            </a:r>
+            <a:r>
+              <a:rPr lang="zh-CN" altLang="en-US" dirty="0"/>
+              <a:t>类型无关</a:t>
+            </a:r>
+            <a:endParaRPr lang="en-US" altLang="zh-CN" dirty="0"/>
+          </a:p>
+          <a:p>
+            <a:pPr fontAlgn="ctr"/>
+            <a:r>
+              <a:rPr lang="zh-CN" altLang="en-US" sz="3000" dirty="0"/>
+              <a:t>实际就是编译后二进制文件拷贝到</a:t>
+            </a:r>
+            <a:r>
+              <a:rPr lang="en-US" altLang="zh-CN" sz="3000" dirty="0"/>
+              <a:t>CPU</a:t>
+            </a:r>
+            <a:r>
+              <a:rPr lang="zh-CN" altLang="en-US" sz="3000" dirty="0"/>
+              <a:t>端内存的指针，该内存需要通过</a:t>
+            </a:r>
+            <a:r>
+              <a:rPr lang="en-US" altLang="zh-CN" dirty="0"/>
+              <a:t>KMT</a:t>
+            </a:r>
+            <a:r>
+              <a:rPr lang="zh-CN" altLang="en-US" dirty="0"/>
+              <a:t>分配，</a:t>
+            </a:r>
+            <a:r>
+              <a:rPr lang="en-US" altLang="zh-CN" dirty="0"/>
+              <a:t>GPU</a:t>
+            </a:r>
+            <a:r>
+              <a:rPr lang="zh-CN" altLang="en-US" dirty="0"/>
+              <a:t>可读取。</a:t>
+            </a:r>
+            <a:endParaRPr lang="en-US" altLang="zh-CN" dirty="0"/>
+          </a:p>
+          <a:p>
+            <a:pPr fontAlgn="ctr"/>
+            <a:r>
+              <a:rPr lang="zh-CN" altLang="en-US" sz="3000" dirty="0"/>
+              <a:t>用户读取二进制文件，赋值给</a:t>
+            </a:r>
+            <a:r>
+              <a:rPr lang="en-US" altLang="zh-CN" sz="3000" dirty="0" err="1"/>
+              <a:t>code_object</a:t>
+            </a:r>
+            <a:r>
+              <a:rPr lang="zh-CN" altLang="en-US" dirty="0"/>
+              <a:t>。然后调用</a:t>
+            </a:r>
+            <a:r>
+              <a:rPr lang="en-US" altLang="zh-CN" dirty="0" err="1"/>
+              <a:t>hsa_executable_load_code_object</a:t>
+            </a:r>
+            <a:r>
+              <a:rPr lang="en-US" altLang="zh-CN" dirty="0"/>
+              <a:t>()</a:t>
+            </a:r>
+            <a:r>
+              <a:rPr lang="zh-CN" altLang="en-US" dirty="0"/>
+              <a:t>函数，将</a:t>
+            </a:r>
+            <a:r>
+              <a:rPr lang="en-US" altLang="zh-CN" dirty="0" err="1"/>
+              <a:t>code_object</a:t>
+            </a:r>
+            <a:r>
+              <a:rPr lang="zh-CN" altLang="en-US" dirty="0"/>
+              <a:t>加载到</a:t>
+            </a:r>
+            <a:r>
+              <a:rPr lang="en-US" altLang="zh-CN" dirty="0"/>
+              <a:t>executable</a:t>
+            </a:r>
+            <a:r>
+              <a:rPr lang="zh-CN" altLang="en-US" dirty="0"/>
+              <a:t>对象。</a:t>
+            </a:r>
+            <a:endParaRPr lang="en-US" sz="3000" dirty="0"/>
+          </a:p>
+        </p:txBody>
+      </p:sp>
+      <p:sp>
+        <p:nvSpPr>
+          <p:cNvPr id="3" name="Title 2">
+            <a:extLst>
+              <a:ext uri="{FF2B5EF4-FFF2-40B4-BE49-F238E27FC236}">
+                <a16:creationId xmlns:a16="http://schemas.microsoft.com/office/drawing/2014/main" id="{CEDC0840-5118-4BFD-899F-D50C1A686498}"/>
+              </a:ext>
+            </a:extLst>
+          </p:cNvPr>
+          <p:cNvSpPr>
+            <a:spLocks noGrp="1"/>
+          </p:cNvSpPr>
+          <p:nvPr>
+            <p:ph type="title"/>
+          </p:nvPr>
+        </p:nvSpPr>
+        <p:spPr>
+          <a:xfrm>
+            <a:off x="305624" y="278130"/>
+            <a:ext cx="11616919" cy="474345"/>
+          </a:xfrm>
+        </p:spPr>
+        <p:txBody>
+          <a:bodyPr/>
+          <a:lstStyle/>
+          <a:p>
+            <a:r>
+              <a:rPr lang="en-US" altLang="zh-CN" dirty="0" err="1"/>
+              <a:t>Code_object</a:t>
+            </a:r>
+            <a:endParaRPr lang="en-US" dirty="0"/>
+          </a:p>
+        </p:txBody>
+      </p:sp>
+      <p:sp>
+        <p:nvSpPr>
+          <p:cNvPr id="5" name="Text Placeholder 3">
+            <a:extLst>
+              <a:ext uri="{FF2B5EF4-FFF2-40B4-BE49-F238E27FC236}">
+                <a16:creationId xmlns:a16="http://schemas.microsoft.com/office/drawing/2014/main" id="{9E8F81F1-ED04-471C-A3F8-730F28377FAA}"/>
+              </a:ext>
+            </a:extLst>
+          </p:cNvPr>
+          <p:cNvSpPr>
+            <a:spLocks noGrp="1"/>
+          </p:cNvSpPr>
+          <p:nvPr>
+            <p:ph type="body" sz="quarter" idx="10"/>
+          </p:nvPr>
+        </p:nvSpPr>
+        <p:spPr>
+          <a:xfrm>
+            <a:off x="313245" y="752475"/>
+            <a:ext cx="11616919" cy="365011"/>
+          </a:xfrm>
+        </p:spPr>
+        <p:txBody>
+          <a:bodyPr/>
+          <a:lstStyle/>
+          <a:p>
+            <a:endParaRPr lang="en-US" dirty="0"/>
+          </a:p>
+        </p:txBody>
+      </p:sp>
+    </p:spTree>
+    <p:extLst>
+      <p:ext uri="{BB962C8B-B14F-4D97-AF65-F5344CB8AC3E}">
+        <p14:creationId xmlns:p14="http://schemas.microsoft.com/office/powerpoint/2010/main" val="4209312161"/>
+      </p:ext>
+    </p:extLst>
+  </p:cSld>
+  <p:clrMapOvr>
+    <a:masterClrMapping/>
+  </p:clrMapOvr>
+</p:sld>
+</file>
+
+<file path=ppt/slides/slide37.xml><?xml version="1.0" encoding="utf-8"?>
+<p:sld xmlns:a="http://schemas.openxmlformats.org/drawingml/2006/main" xmlns:r="http://schemas.openxmlformats.org/officeDocument/2006/relationships" xmlns:p="http://schemas.openxmlformats.org/presentationml/2006/main">
+  <p:cSld>
+    <p:spTree>
+      <p:nvGrpSpPr>
+        <p:cNvPr id="1" name=""/>
+        <p:cNvGrpSpPr/>
+        <p:nvPr/>
+      </p:nvGrpSpPr>
+      <p:grpSpPr>
+        <a:xfrm>
+          <a:off x="0" y="0"/>
+          <a:ext cx="0" cy="0"/>
+          <a:chOff x="0" y="0"/>
+          <a:chExt cx="0" cy="0"/>
+        </a:xfrm>
+      </p:grpSpPr>
+      <p:sp>
+        <p:nvSpPr>
+          <p:cNvPr id="2" name="Content Placeholder 1">
+            <a:extLst>
+              <a:ext uri="{FF2B5EF4-FFF2-40B4-BE49-F238E27FC236}">
+                <a16:creationId xmlns:a16="http://schemas.microsoft.com/office/drawing/2014/main" id="{62F0C778-32F6-4750-AA9D-CF74A2AD5ADD}"/>
+              </a:ext>
+            </a:extLst>
+          </p:cNvPr>
+          <p:cNvSpPr>
+            <a:spLocks noGrp="1"/>
+          </p:cNvSpPr>
+          <p:nvPr>
+            <p:ph idx="4294967295"/>
+          </p:nvPr>
+        </p:nvSpPr>
+        <p:spPr>
+          <a:xfrm>
+            <a:off x="313245" y="1117486"/>
+            <a:ext cx="11624540" cy="5201397"/>
+          </a:xfrm>
+        </p:spPr>
+        <p:txBody>
+          <a:bodyPr/>
+          <a:lstStyle/>
+          <a:p>
+            <a:pPr fontAlgn="ctr"/>
+            <a:r>
+              <a:rPr lang="zh-CN" altLang="en-US" sz="3000" dirty="0"/>
+              <a:t>用户维护变量，类型为</a:t>
+            </a:r>
+            <a:r>
+              <a:rPr lang="en-US" altLang="zh-CN" sz="3000" dirty="0" err="1"/>
+              <a:t>hsa_executable_symbol_t</a:t>
+            </a:r>
+            <a:r>
+              <a:rPr lang="zh-CN" altLang="en-US" sz="3000" dirty="0"/>
+              <a:t>，即</a:t>
+            </a:r>
+            <a:r>
+              <a:rPr lang="en-US" altLang="zh-CN" sz="3000" dirty="0"/>
+              <a:t>elf</a:t>
+            </a:r>
+            <a:r>
+              <a:rPr lang="zh-CN" altLang="en-US" sz="3000" dirty="0"/>
+              <a:t>的符号类型，内部类型为</a:t>
+            </a:r>
+            <a:r>
+              <a:rPr lang="en-US" altLang="zh-CN" sz="3000" dirty="0"/>
+              <a:t>loader::Symbol</a:t>
+            </a:r>
+            <a:r>
+              <a:rPr lang="zh-CN" altLang="en-US" sz="3000" dirty="0"/>
+              <a:t>。</a:t>
+            </a:r>
+            <a:endParaRPr lang="en-US" altLang="zh-CN" sz="3000" dirty="0"/>
+          </a:p>
+          <a:p>
+            <a:pPr fontAlgn="ctr"/>
+            <a:r>
+              <a:rPr lang="en-US" altLang="zh-CN" dirty="0"/>
+              <a:t>executable</a:t>
+            </a:r>
+            <a:r>
+              <a:rPr lang="zh-CN" altLang="en-US" dirty="0"/>
+              <a:t>对象通过解析二进制文件获得</a:t>
+            </a:r>
+            <a:r>
+              <a:rPr lang="en-US" altLang="zh-CN" dirty="0"/>
+              <a:t>kernel</a:t>
+            </a:r>
+            <a:r>
+              <a:rPr lang="zh-CN" altLang="en-US" dirty="0"/>
+              <a:t>符号</a:t>
+            </a:r>
+            <a:endParaRPr lang="en-US" altLang="zh-CN" dirty="0"/>
+          </a:p>
+          <a:p>
+            <a:pPr fontAlgn="ctr"/>
+            <a:r>
+              <a:rPr lang="zh-CN" altLang="en-US" sz="3000" dirty="0"/>
+              <a:t>用户通过</a:t>
+            </a:r>
+            <a:r>
+              <a:rPr lang="en-US" altLang="zh-CN" sz="3000" dirty="0" err="1"/>
+              <a:t>hsa_executable_get_symbol</a:t>
+            </a:r>
+            <a:r>
+              <a:rPr lang="en-US" altLang="zh-CN" sz="3000" dirty="0"/>
+              <a:t>()</a:t>
+            </a:r>
+            <a:r>
+              <a:rPr lang="zh-CN" altLang="en-US" sz="3000" dirty="0"/>
+              <a:t>函数从</a:t>
+            </a:r>
+            <a:r>
+              <a:rPr lang="en-US" altLang="zh-CN" sz="3000" dirty="0"/>
+              <a:t>executable</a:t>
+            </a:r>
+            <a:r>
+              <a:rPr lang="zh-CN" altLang="en-US" sz="3000" dirty="0"/>
+              <a:t>中获得</a:t>
+            </a:r>
+            <a:r>
+              <a:rPr lang="en-US" altLang="zh-CN" sz="3000" dirty="0"/>
+              <a:t>kernel</a:t>
+            </a:r>
+            <a:r>
+              <a:rPr lang="zh-CN" altLang="en-US" sz="3000" dirty="0"/>
+              <a:t>符号对象</a:t>
+            </a:r>
+            <a:endParaRPr lang="en-US" altLang="zh-CN" sz="3000" dirty="0"/>
+          </a:p>
+          <a:p>
+            <a:pPr fontAlgn="ctr"/>
+            <a:r>
+              <a:rPr lang="zh-CN" altLang="en-US" dirty="0"/>
+              <a:t>然后通过</a:t>
+            </a:r>
+            <a:r>
+              <a:rPr lang="en-US" altLang="zh-CN" dirty="0" err="1"/>
+              <a:t>hsa_executable_symbol_get_info</a:t>
+            </a:r>
+            <a:r>
+              <a:rPr lang="en-US" altLang="zh-CN" dirty="0"/>
+              <a:t>(HSA_EXECUTABLE_SYMBOL_INFO_KERNEL_OBJECT)</a:t>
+            </a:r>
+            <a:r>
+              <a:rPr lang="zh-CN" altLang="en-US" dirty="0"/>
+              <a:t>函数，获得</a:t>
+            </a:r>
+            <a:r>
+              <a:rPr lang="en-US" altLang="zh-CN" dirty="0"/>
+              <a:t>kernel</a:t>
+            </a:r>
+            <a:r>
+              <a:rPr lang="zh-CN" altLang="en-US" dirty="0"/>
+              <a:t>可执行二进制的地址，最后给到</a:t>
+            </a:r>
+            <a:r>
+              <a:rPr lang="en-US" altLang="zh-CN" dirty="0" err="1"/>
+              <a:t>aqlpacket</a:t>
+            </a:r>
+            <a:r>
+              <a:rPr lang="zh-CN" altLang="en-US" dirty="0"/>
+              <a:t>的</a:t>
+            </a:r>
+            <a:r>
+              <a:rPr lang="en-US" altLang="zh-CN" dirty="0" err="1"/>
+              <a:t>kernel_object</a:t>
+            </a:r>
+            <a:r>
+              <a:rPr lang="zh-CN" altLang="en-US" dirty="0"/>
+              <a:t>指针</a:t>
+            </a:r>
+            <a:endParaRPr lang="en-US" altLang="zh-CN" dirty="0"/>
+          </a:p>
+        </p:txBody>
+      </p:sp>
+      <p:sp>
+        <p:nvSpPr>
+          <p:cNvPr id="3" name="Title 2">
+            <a:extLst>
+              <a:ext uri="{FF2B5EF4-FFF2-40B4-BE49-F238E27FC236}">
+                <a16:creationId xmlns:a16="http://schemas.microsoft.com/office/drawing/2014/main" id="{CEDC0840-5118-4BFD-899F-D50C1A686498}"/>
+              </a:ext>
+            </a:extLst>
+          </p:cNvPr>
+          <p:cNvSpPr>
+            <a:spLocks noGrp="1"/>
+          </p:cNvSpPr>
+          <p:nvPr>
+            <p:ph type="title"/>
+          </p:nvPr>
+        </p:nvSpPr>
+        <p:spPr>
+          <a:xfrm>
+            <a:off x="305624" y="278130"/>
+            <a:ext cx="11616919" cy="474345"/>
+          </a:xfrm>
+        </p:spPr>
+        <p:txBody>
+          <a:bodyPr/>
+          <a:lstStyle/>
+          <a:p>
+            <a:r>
+              <a:rPr lang="en-US" altLang="zh-CN" dirty="0"/>
+              <a:t>Kernel</a:t>
+            </a:r>
+            <a:r>
+              <a:rPr lang="zh-CN" altLang="en-US" dirty="0"/>
+              <a:t>符号</a:t>
+            </a:r>
+            <a:endParaRPr lang="en-US" dirty="0"/>
+          </a:p>
+        </p:txBody>
+      </p:sp>
+      <p:sp>
+        <p:nvSpPr>
+          <p:cNvPr id="5" name="Text Placeholder 3">
+            <a:extLst>
+              <a:ext uri="{FF2B5EF4-FFF2-40B4-BE49-F238E27FC236}">
+                <a16:creationId xmlns:a16="http://schemas.microsoft.com/office/drawing/2014/main" id="{9E8F81F1-ED04-471C-A3F8-730F28377FAA}"/>
+              </a:ext>
+            </a:extLst>
+          </p:cNvPr>
+          <p:cNvSpPr>
+            <a:spLocks noGrp="1"/>
+          </p:cNvSpPr>
+          <p:nvPr>
+            <p:ph type="body" sz="quarter" idx="10"/>
+          </p:nvPr>
+        </p:nvSpPr>
+        <p:spPr>
+          <a:xfrm>
+            <a:off x="313245" y="752475"/>
+            <a:ext cx="11616919" cy="365011"/>
+          </a:xfrm>
+        </p:spPr>
+        <p:txBody>
+          <a:bodyPr/>
+          <a:lstStyle/>
+          <a:p>
+            <a:endParaRPr lang="en-US" dirty="0"/>
+          </a:p>
+        </p:txBody>
+      </p:sp>
+    </p:spTree>
+    <p:extLst>
+      <p:ext uri="{BB962C8B-B14F-4D97-AF65-F5344CB8AC3E}">
+        <p14:creationId xmlns:p14="http://schemas.microsoft.com/office/powerpoint/2010/main" val="47673091"/>
+      </p:ext>
+    </p:extLst>
+  </p:cSld>
+  <p:clrMapOvr>
+    <a:masterClrMapping/>
+  </p:clrMapOvr>
+</p:sld>
+</file>
+
+<file path=ppt/slides/slide38.xml><?xml version="1.0" encoding="utf-8"?>
+<p:sld xmlns:a="http://schemas.openxmlformats.org/drawingml/2006/main" xmlns:r="http://schemas.openxmlformats.org/officeDocument/2006/relationships" xmlns:p="http://schemas.openxmlformats.org/presentationml/2006/main">
+  <p:cSld>
+    <p:spTree>
+      <p:nvGrpSpPr>
+        <p:cNvPr id="1" name=""/>
+        <p:cNvGrpSpPr/>
+        <p:nvPr/>
+      </p:nvGrpSpPr>
+      <p:grpSpPr>
+        <a:xfrm>
+          <a:off x="0" y="0"/>
+          <a:ext cx="0" cy="0"/>
+          <a:chOff x="0" y="0"/>
+          <a:chExt cx="0" cy="0"/>
+        </a:xfrm>
+      </p:grpSpPr>
+      <p:sp>
+        <p:nvSpPr>
+          <p:cNvPr id="2" name="Content Placeholder 1">
+            <a:extLst>
+              <a:ext uri="{FF2B5EF4-FFF2-40B4-BE49-F238E27FC236}">
+                <a16:creationId xmlns:a16="http://schemas.microsoft.com/office/drawing/2014/main" id="{62F0C778-32F6-4750-AA9D-CF74A2AD5ADD}"/>
+              </a:ext>
+            </a:extLst>
+          </p:cNvPr>
+          <p:cNvSpPr>
+            <a:spLocks noGrp="1"/>
+          </p:cNvSpPr>
+          <p:nvPr>
+            <p:ph idx="4294967295"/>
+          </p:nvPr>
+        </p:nvSpPr>
+        <p:spPr>
+          <a:xfrm>
+            <a:off x="313245" y="1117486"/>
+            <a:ext cx="11338560" cy="5201397"/>
+          </a:xfrm>
+        </p:spPr>
+        <p:txBody>
+          <a:bodyPr/>
+          <a:lstStyle/>
+          <a:p>
+            <a:pPr fontAlgn="ctr"/>
+            <a:r>
+              <a:rPr lang="zh-CN" altLang="en-US" dirty="0"/>
+              <a:t>用户维护变量，用户可见类型为</a:t>
+            </a:r>
+            <a:r>
+              <a:rPr lang="en-US" altLang="zh-CN" dirty="0" err="1"/>
+              <a:t>hsa_executable_t</a:t>
+            </a:r>
+            <a:r>
+              <a:rPr lang="zh-CN" altLang="en-US" dirty="0"/>
+              <a:t>，内部类型为</a:t>
+            </a:r>
+            <a:r>
+              <a:rPr lang="en-US" altLang="zh-CN" dirty="0" err="1"/>
+              <a:t>ExecutableImpl</a:t>
+            </a:r>
+            <a:r>
+              <a:rPr lang="zh-CN" altLang="en-US" dirty="0"/>
+              <a:t>，继承自</a:t>
+            </a:r>
+            <a:r>
+              <a:rPr lang="en-US" altLang="zh-CN" dirty="0"/>
+              <a:t>Executable</a:t>
+            </a:r>
+            <a:r>
+              <a:rPr lang="zh-CN" altLang="en-US" dirty="0"/>
+              <a:t>。</a:t>
+            </a:r>
+            <a:endParaRPr lang="en-US" altLang="zh-CN" dirty="0"/>
+          </a:p>
+          <a:p>
+            <a:pPr fontAlgn="ctr"/>
+            <a:r>
+              <a:rPr lang="zh-CN" altLang="en-US" dirty="0"/>
+              <a:t>内部维护</a:t>
+            </a:r>
+            <a:endParaRPr lang="en-US" altLang="zh-CN" dirty="0"/>
+          </a:p>
+          <a:p>
+            <a:pPr lvl="1" fontAlgn="ctr"/>
+            <a:r>
+              <a:rPr lang="en-US" altLang="zh-CN" dirty="0" err="1"/>
+              <a:t>AmdHsaCode</a:t>
+            </a:r>
+            <a:r>
+              <a:rPr lang="zh-CN" altLang="en-US" dirty="0"/>
+              <a:t>对象。</a:t>
+            </a:r>
+            <a:endParaRPr lang="en-US" altLang="zh-CN" dirty="0"/>
+          </a:p>
+          <a:p>
+            <a:pPr lvl="1" fontAlgn="ctr"/>
+            <a:r>
+              <a:rPr lang="en-US" altLang="zh-CN" dirty="0" err="1"/>
+              <a:t>ExecutableObject</a:t>
+            </a:r>
+            <a:r>
+              <a:rPr lang="zh-CN" altLang="en-US" dirty="0"/>
+              <a:t>对象的队列</a:t>
+            </a:r>
+            <a:r>
+              <a:rPr lang="en-US" altLang="zh-CN" dirty="0"/>
+              <a:t>objects</a:t>
+            </a:r>
+          </a:p>
+          <a:p>
+            <a:pPr lvl="1" fontAlgn="ctr"/>
+            <a:r>
+              <a:rPr lang="en-US" altLang="zh-CN" dirty="0" err="1"/>
+              <a:t>LoadedCodeObjectImpl</a:t>
+            </a:r>
+            <a:r>
+              <a:rPr lang="zh-CN" altLang="en-US" dirty="0"/>
+              <a:t>对象的队列</a:t>
+            </a:r>
+            <a:r>
+              <a:rPr lang="en-US" altLang="zh-CN" dirty="0" err="1"/>
+              <a:t>loaded_code_objects</a:t>
+            </a:r>
+            <a:endParaRPr lang="en-US" altLang="zh-CN" dirty="0"/>
+          </a:p>
+          <a:p>
+            <a:pPr lvl="1" fontAlgn="ctr"/>
+            <a:r>
+              <a:rPr lang="en-US" altLang="zh-CN" dirty="0" err="1"/>
+              <a:t>ProgramSymbolMap</a:t>
+            </a:r>
+            <a:r>
+              <a:rPr lang="zh-CN" altLang="en-US" dirty="0"/>
+              <a:t>类型的</a:t>
+            </a:r>
+            <a:r>
+              <a:rPr lang="en-US" altLang="zh-CN" dirty="0" err="1"/>
+              <a:t>program_symbols</a:t>
+            </a:r>
+            <a:r>
+              <a:rPr lang="en-US" altLang="zh-CN" dirty="0"/>
+              <a:t>_</a:t>
+            </a:r>
+            <a:r>
+              <a:rPr lang="zh-CN" altLang="en-US" dirty="0"/>
+              <a:t>，符号</a:t>
+            </a:r>
+            <a:r>
+              <a:rPr lang="en-US" altLang="zh-CN" dirty="0"/>
+              <a:t>map</a:t>
+            </a:r>
+          </a:p>
+          <a:p>
+            <a:pPr fontAlgn="ctr"/>
+            <a:r>
+              <a:rPr lang="zh-CN" altLang="en-US" dirty="0"/>
+              <a:t>用户通过</a:t>
+            </a:r>
+            <a:r>
+              <a:rPr lang="en-US" altLang="zh-CN" dirty="0" err="1"/>
+              <a:t>hsa_executable_create</a:t>
+            </a:r>
+            <a:r>
+              <a:rPr lang="en-US" altLang="zh-CN" dirty="0"/>
+              <a:t>()</a:t>
+            </a:r>
+            <a:r>
+              <a:rPr lang="zh-CN" altLang="en-US" dirty="0"/>
+              <a:t>函数创建。该函数调用</a:t>
+            </a:r>
+            <a:r>
+              <a:rPr lang="en-US" altLang="zh-CN" dirty="0" err="1"/>
+              <a:t>runtime_singleton_.loader</a:t>
+            </a:r>
+            <a:r>
+              <a:rPr lang="en-US" altLang="zh-CN" dirty="0"/>
+              <a:t>_-&gt;</a:t>
+            </a:r>
+            <a:r>
+              <a:rPr lang="en-US" altLang="zh-CN" dirty="0" err="1"/>
+              <a:t>CreateExecutable</a:t>
+            </a:r>
+            <a:r>
+              <a:rPr lang="en-US" altLang="zh-CN" dirty="0"/>
+              <a:t>()</a:t>
+            </a:r>
+            <a:r>
+              <a:rPr lang="zh-CN" altLang="en-US" dirty="0"/>
+              <a:t>函数。该函数新建</a:t>
+            </a:r>
+            <a:r>
+              <a:rPr lang="en-US" altLang="zh-CN" dirty="0" err="1"/>
+              <a:t>Exceutable</a:t>
+            </a:r>
+            <a:r>
+              <a:rPr lang="zh-CN" altLang="en-US" dirty="0"/>
+              <a:t>对象，并压入</a:t>
+            </a:r>
+            <a:r>
+              <a:rPr lang="en-US" altLang="zh-CN" dirty="0"/>
+              <a:t>loader_</a:t>
+            </a:r>
+            <a:r>
+              <a:rPr lang="zh-CN" altLang="en-US" dirty="0"/>
+              <a:t>的</a:t>
+            </a:r>
+            <a:r>
+              <a:rPr lang="en-US" altLang="zh-CN" dirty="0"/>
+              <a:t>executables</a:t>
+            </a:r>
+            <a:r>
+              <a:rPr lang="zh-CN" altLang="en-US" dirty="0"/>
+              <a:t>队列。</a:t>
+            </a:r>
+            <a:endParaRPr lang="en-US" altLang="zh-CN" dirty="0"/>
+          </a:p>
+        </p:txBody>
+      </p:sp>
+      <p:sp>
+        <p:nvSpPr>
+          <p:cNvPr id="3" name="Title 2">
+            <a:extLst>
+              <a:ext uri="{FF2B5EF4-FFF2-40B4-BE49-F238E27FC236}">
+                <a16:creationId xmlns:a16="http://schemas.microsoft.com/office/drawing/2014/main" id="{CEDC0840-5118-4BFD-899F-D50C1A686498}"/>
+              </a:ext>
+            </a:extLst>
+          </p:cNvPr>
+          <p:cNvSpPr>
+            <a:spLocks noGrp="1"/>
+          </p:cNvSpPr>
+          <p:nvPr>
+            <p:ph type="title"/>
+          </p:nvPr>
+        </p:nvSpPr>
+        <p:spPr>
+          <a:xfrm>
+            <a:off x="305624" y="278130"/>
+            <a:ext cx="11616919" cy="474345"/>
+          </a:xfrm>
+        </p:spPr>
+        <p:txBody>
+          <a:bodyPr/>
+          <a:lstStyle/>
+          <a:p>
+            <a:r>
+              <a:rPr lang="en-US" altLang="zh-CN" dirty="0"/>
+              <a:t>executable</a:t>
+            </a:r>
+            <a:endParaRPr lang="en-US" dirty="0"/>
+          </a:p>
+        </p:txBody>
+      </p:sp>
+      <p:sp>
+        <p:nvSpPr>
+          <p:cNvPr id="5" name="Text Placeholder 3">
+            <a:extLst>
+              <a:ext uri="{FF2B5EF4-FFF2-40B4-BE49-F238E27FC236}">
+                <a16:creationId xmlns:a16="http://schemas.microsoft.com/office/drawing/2014/main" id="{9E8F81F1-ED04-471C-A3F8-730F28377FAA}"/>
+              </a:ext>
+            </a:extLst>
+          </p:cNvPr>
+          <p:cNvSpPr>
+            <a:spLocks noGrp="1"/>
+          </p:cNvSpPr>
+          <p:nvPr>
+            <p:ph type="body" sz="quarter" idx="10"/>
+          </p:nvPr>
+        </p:nvSpPr>
+        <p:spPr>
+          <a:xfrm>
+            <a:off x="313245" y="752475"/>
+            <a:ext cx="11616919" cy="365011"/>
+          </a:xfrm>
+        </p:spPr>
+        <p:txBody>
+          <a:bodyPr/>
+          <a:lstStyle/>
+          <a:p>
+            <a:endParaRPr lang="en-US" dirty="0"/>
+          </a:p>
+        </p:txBody>
+      </p:sp>
+    </p:spTree>
+    <p:extLst>
+      <p:ext uri="{BB962C8B-B14F-4D97-AF65-F5344CB8AC3E}">
+        <p14:creationId xmlns:p14="http://schemas.microsoft.com/office/powerpoint/2010/main" val="1219545094"/>
+      </p:ext>
+    </p:extLst>
+  </p:cSld>
+  <p:clrMapOvr>
+    <a:masterClrMapping/>
+  </p:clrMapOvr>
+</p:sld>
+</file>
+
+<file path=ppt/slides/slide39.xml><?xml version="1.0" encoding="utf-8"?>
+<p:sld xmlns:a="http://schemas.openxmlformats.org/drawingml/2006/main" xmlns:r="http://schemas.openxmlformats.org/officeDocument/2006/relationships" xmlns:p="http://schemas.openxmlformats.org/presentationml/2006/main">
+  <p:cSld>
+    <p:spTree>
+      <p:nvGrpSpPr>
+        <p:cNvPr id="1" name=""/>
+        <p:cNvGrpSpPr/>
+        <p:nvPr/>
+      </p:nvGrpSpPr>
+      <p:grpSpPr>
+        <a:xfrm>
+          <a:off x="0" y="0"/>
+          <a:ext cx="0" cy="0"/>
+          <a:chOff x="0" y="0"/>
+          <a:chExt cx="0" cy="0"/>
+        </a:xfrm>
+      </p:grpSpPr>
+      <p:sp>
+        <p:nvSpPr>
+          <p:cNvPr id="2" name="Content Placeholder 1">
+            <a:extLst>
+              <a:ext uri="{FF2B5EF4-FFF2-40B4-BE49-F238E27FC236}">
+                <a16:creationId xmlns:a16="http://schemas.microsoft.com/office/drawing/2014/main" id="{62F0C778-32F6-4750-AA9D-CF74A2AD5ADD}"/>
+              </a:ext>
+            </a:extLst>
+          </p:cNvPr>
+          <p:cNvSpPr>
+            <a:spLocks noGrp="1"/>
+          </p:cNvSpPr>
+          <p:nvPr>
+            <p:ph idx="4294967295"/>
+          </p:nvPr>
+        </p:nvSpPr>
+        <p:spPr>
+          <a:xfrm>
+            <a:off x="313245" y="1117486"/>
+            <a:ext cx="11338560" cy="5201397"/>
+          </a:xfrm>
+        </p:spPr>
+        <p:txBody>
+          <a:bodyPr/>
+          <a:lstStyle/>
+          <a:p>
+            <a:pPr fontAlgn="ctr"/>
+            <a:r>
+              <a:rPr lang="zh-CN" altLang="en-US" sz="3000" dirty="0"/>
+              <a:t>用户调用</a:t>
+            </a:r>
+            <a:r>
+              <a:rPr lang="en-US" altLang="zh-CN" sz="3000" dirty="0" err="1"/>
+              <a:t>hsa_executable_load_code_object</a:t>
+            </a:r>
+            <a:r>
+              <a:rPr lang="en-US" altLang="zh-CN" sz="3000" dirty="0"/>
+              <a:t>()</a:t>
+            </a:r>
+            <a:r>
+              <a:rPr lang="zh-CN" altLang="en-US" sz="3000" dirty="0"/>
+              <a:t>函数将</a:t>
+            </a:r>
+            <a:r>
+              <a:rPr lang="en-US" altLang="zh-CN" sz="3000" dirty="0" err="1"/>
+              <a:t>code_object</a:t>
+            </a:r>
+            <a:r>
+              <a:rPr lang="zh-CN" altLang="en-US" sz="3000" dirty="0"/>
+              <a:t>对象加载到</a:t>
+            </a:r>
+            <a:r>
+              <a:rPr lang="en-US" altLang="zh-CN" dirty="0"/>
+              <a:t>executable</a:t>
+            </a:r>
+            <a:r>
+              <a:rPr lang="zh-CN" altLang="en-US" dirty="0"/>
+              <a:t>对象。该函数调用</a:t>
+            </a:r>
+            <a:r>
+              <a:rPr lang="en-US" altLang="zh-CN" dirty="0"/>
+              <a:t>executable</a:t>
+            </a:r>
+            <a:r>
+              <a:rPr lang="zh-CN" altLang="en-US" dirty="0"/>
+              <a:t>对象的</a:t>
+            </a:r>
+            <a:r>
+              <a:rPr lang="en-US" altLang="zh-CN" dirty="0" err="1"/>
+              <a:t>LoadCodeObject</a:t>
+            </a:r>
+            <a:r>
+              <a:rPr lang="en-US" altLang="zh-CN" dirty="0"/>
+              <a:t>()</a:t>
+            </a:r>
+            <a:r>
+              <a:rPr lang="zh-CN" altLang="en-US" dirty="0"/>
+              <a:t>函数。</a:t>
+            </a:r>
+            <a:endParaRPr lang="en-US" altLang="zh-CN" dirty="0"/>
+          </a:p>
+          <a:p>
+            <a:pPr lvl="1" fontAlgn="ctr"/>
+            <a:r>
+              <a:rPr lang="en-US" altLang="zh-CN" dirty="0" err="1"/>
+              <a:t>LoadCodeObject</a:t>
+            </a:r>
+            <a:r>
+              <a:rPr lang="en-US" altLang="zh-CN" dirty="0"/>
+              <a:t>()</a:t>
+            </a:r>
+            <a:r>
+              <a:rPr lang="zh-CN" altLang="en-US" dirty="0"/>
+              <a:t>函数接收</a:t>
+            </a:r>
+            <a:r>
+              <a:rPr lang="en-US" altLang="zh-CN" dirty="0" err="1"/>
+              <a:t>code_object</a:t>
+            </a:r>
+            <a:r>
+              <a:rPr lang="zh-CN" altLang="en-US" dirty="0"/>
+              <a:t>对象，即二进制程序指针，然后创建</a:t>
+            </a:r>
+            <a:r>
+              <a:rPr lang="en-US" altLang="zh-CN" dirty="0" err="1"/>
+              <a:t>AmdHsaCode</a:t>
+            </a:r>
+            <a:r>
+              <a:rPr lang="en-US" altLang="zh-CN" dirty="0"/>
+              <a:t>()</a:t>
+            </a:r>
+            <a:r>
+              <a:rPr lang="zh-CN" altLang="en-US" dirty="0"/>
+              <a:t>对象，也就是自身的</a:t>
+            </a:r>
+            <a:r>
+              <a:rPr lang="en-US" altLang="zh-CN" dirty="0"/>
+              <a:t>code</a:t>
+            </a:r>
+            <a:r>
+              <a:rPr lang="zh-CN" altLang="en-US" dirty="0"/>
+              <a:t>变量。</a:t>
+            </a:r>
+            <a:endParaRPr lang="en-US" altLang="zh-CN" dirty="0"/>
+          </a:p>
+          <a:p>
+            <a:pPr lvl="1" fontAlgn="ctr"/>
+            <a:r>
+              <a:rPr lang="zh-CN" altLang="en-US" dirty="0"/>
+              <a:t>创建</a:t>
+            </a:r>
+            <a:r>
+              <a:rPr lang="en-US" altLang="zh-CN" dirty="0" err="1"/>
+              <a:t>LoadedCodeObjectImpl</a:t>
+            </a:r>
+            <a:r>
+              <a:rPr lang="zh-CN" altLang="en-US" dirty="0"/>
+              <a:t>对象，并压入</a:t>
+            </a:r>
+            <a:r>
+              <a:rPr lang="en-US" altLang="zh-CN" dirty="0"/>
+              <a:t>objects</a:t>
+            </a:r>
+            <a:r>
+              <a:rPr lang="zh-CN" altLang="en-US" dirty="0"/>
+              <a:t>和</a:t>
+            </a:r>
+            <a:r>
+              <a:rPr lang="en-US" altLang="zh-CN" dirty="0" err="1"/>
+              <a:t>loaded_code_objects</a:t>
+            </a:r>
+            <a:r>
+              <a:rPr lang="zh-CN" altLang="en-US" dirty="0"/>
+              <a:t>队列</a:t>
+            </a:r>
+            <a:endParaRPr lang="en-US" altLang="zh-CN" dirty="0"/>
+          </a:p>
+          <a:p>
+            <a:pPr lvl="1" fontAlgn="ctr"/>
+            <a:r>
+              <a:rPr lang="en-US" altLang="zh-CN" dirty="0" err="1"/>
+              <a:t>LoadSegments</a:t>
+            </a:r>
+            <a:r>
+              <a:rPr lang="en-US" altLang="zh-CN" dirty="0"/>
+              <a:t>()</a:t>
+            </a:r>
+          </a:p>
+          <a:p>
+            <a:pPr lvl="1" fontAlgn="ctr"/>
+            <a:r>
+              <a:rPr lang="en-US" altLang="zh-CN" dirty="0" err="1"/>
+              <a:t>LoadSymbol</a:t>
+            </a:r>
+            <a:r>
+              <a:rPr lang="en-US" altLang="zh-CN" dirty="0"/>
+              <a:t>()</a:t>
+            </a:r>
+            <a:r>
+              <a:rPr lang="zh-CN" altLang="en-US" dirty="0"/>
+              <a:t>：加载</a:t>
+            </a:r>
+            <a:r>
+              <a:rPr lang="en-US" altLang="zh-CN" dirty="0"/>
+              <a:t>kernel</a:t>
+            </a:r>
+            <a:r>
+              <a:rPr lang="zh-CN" altLang="en-US" dirty="0"/>
+              <a:t>符号</a:t>
+            </a:r>
+            <a:endParaRPr lang="en-US" altLang="zh-CN" dirty="0"/>
+          </a:p>
+          <a:p>
+            <a:pPr lvl="2" fontAlgn="ctr"/>
+            <a:r>
+              <a:rPr lang="zh-CN" altLang="en-US" dirty="0"/>
+              <a:t>新建</a:t>
+            </a:r>
+            <a:r>
+              <a:rPr lang="en-US" altLang="zh-CN" dirty="0" err="1"/>
+              <a:t>KernelSymbol</a:t>
+            </a:r>
+            <a:r>
+              <a:rPr lang="zh-CN" altLang="en-US" dirty="0"/>
+              <a:t>符号，加入</a:t>
+            </a:r>
+            <a:r>
+              <a:rPr lang="en-US" altLang="zh-CN" dirty="0" err="1"/>
+              <a:t>program_symbols</a:t>
+            </a:r>
+            <a:r>
+              <a:rPr lang="en-US" altLang="zh-CN" dirty="0"/>
+              <a:t>_</a:t>
+            </a:r>
+            <a:r>
+              <a:rPr lang="zh-CN" altLang="en-US" dirty="0"/>
+              <a:t>的</a:t>
+            </a:r>
+            <a:r>
+              <a:rPr lang="en-US" altLang="zh-CN" dirty="0"/>
+              <a:t>map</a:t>
+            </a:r>
+            <a:r>
+              <a:rPr lang="zh-CN" altLang="en-US" dirty="0"/>
+              <a:t>变量</a:t>
+            </a:r>
+            <a:endParaRPr lang="en-US" altLang="zh-CN" dirty="0"/>
+          </a:p>
+          <a:p>
+            <a:pPr lvl="2" fontAlgn="ctr"/>
+            <a:r>
+              <a:rPr lang="en-US" altLang="zh-CN" dirty="0"/>
+              <a:t>Kernel</a:t>
+            </a:r>
+            <a:r>
+              <a:rPr lang="zh-CN" altLang="en-US" dirty="0"/>
+              <a:t>符号对象用于后继给</a:t>
+            </a:r>
+            <a:r>
+              <a:rPr lang="en-US" altLang="zh-CN" dirty="0" err="1"/>
+              <a:t>aql</a:t>
+            </a:r>
+            <a:r>
+              <a:rPr lang="zh-CN" altLang="en-US" dirty="0"/>
+              <a:t>包赋值</a:t>
+            </a:r>
+            <a:endParaRPr lang="en-US" altLang="zh-CN" dirty="0"/>
+          </a:p>
+          <a:p>
+            <a:pPr lvl="1" fontAlgn="ctr"/>
+            <a:r>
+              <a:rPr lang="en-US" altLang="zh-CN" dirty="0" err="1"/>
+              <a:t>ApplyRelocations</a:t>
+            </a:r>
+            <a:r>
+              <a:rPr lang="en-US" altLang="zh-CN" dirty="0"/>
+              <a:t>()</a:t>
+            </a:r>
+          </a:p>
+          <a:p>
+            <a:pPr marL="367665" lvl="1" indent="0" fontAlgn="ctr">
+              <a:buNone/>
+            </a:pPr>
+            <a:endParaRPr lang="en-US" altLang="zh-CN" dirty="0"/>
+          </a:p>
+        </p:txBody>
+      </p:sp>
+      <p:sp>
+        <p:nvSpPr>
+          <p:cNvPr id="3" name="Title 2">
+            <a:extLst>
+              <a:ext uri="{FF2B5EF4-FFF2-40B4-BE49-F238E27FC236}">
+                <a16:creationId xmlns:a16="http://schemas.microsoft.com/office/drawing/2014/main" id="{CEDC0840-5118-4BFD-899F-D50C1A686498}"/>
+              </a:ext>
+            </a:extLst>
+          </p:cNvPr>
+          <p:cNvSpPr>
+            <a:spLocks noGrp="1"/>
+          </p:cNvSpPr>
+          <p:nvPr>
+            <p:ph type="title"/>
+          </p:nvPr>
+        </p:nvSpPr>
+        <p:spPr>
+          <a:xfrm>
+            <a:off x="305624" y="278130"/>
+            <a:ext cx="11616919" cy="474345"/>
+          </a:xfrm>
+        </p:spPr>
+        <p:txBody>
+          <a:bodyPr/>
+          <a:lstStyle/>
+          <a:p>
+            <a:r>
+              <a:rPr lang="en-US" altLang="zh-CN" dirty="0"/>
+              <a:t>executable</a:t>
+            </a:r>
+            <a:endParaRPr lang="en-US" dirty="0"/>
+          </a:p>
+        </p:txBody>
+      </p:sp>
+      <p:sp>
+        <p:nvSpPr>
+          <p:cNvPr id="5" name="Text Placeholder 3">
+            <a:extLst>
+              <a:ext uri="{FF2B5EF4-FFF2-40B4-BE49-F238E27FC236}">
+                <a16:creationId xmlns:a16="http://schemas.microsoft.com/office/drawing/2014/main" id="{9E8F81F1-ED04-471C-A3F8-730F28377FAA}"/>
+              </a:ext>
+            </a:extLst>
+          </p:cNvPr>
+          <p:cNvSpPr>
+            <a:spLocks noGrp="1"/>
+          </p:cNvSpPr>
+          <p:nvPr>
+            <p:ph type="body" sz="quarter" idx="10"/>
+          </p:nvPr>
+        </p:nvSpPr>
+        <p:spPr>
+          <a:xfrm>
+            <a:off x="313245" y="752475"/>
+            <a:ext cx="11616919" cy="365011"/>
+          </a:xfrm>
+        </p:spPr>
+        <p:txBody>
+          <a:bodyPr/>
+          <a:lstStyle/>
+          <a:p>
+            <a:r>
+              <a:rPr lang="zh-CN" altLang="en-US" dirty="0"/>
+              <a:t>加载</a:t>
+            </a:r>
+            <a:r>
+              <a:rPr lang="en-US" altLang="zh-CN" dirty="0" err="1"/>
+              <a:t>code_object</a:t>
+            </a:r>
+            <a:endParaRPr lang="en-US" dirty="0"/>
+          </a:p>
+        </p:txBody>
+      </p:sp>
+    </p:spTree>
+    <p:extLst>
+      <p:ext uri="{BB962C8B-B14F-4D97-AF65-F5344CB8AC3E}">
+        <p14:creationId xmlns:p14="http://schemas.microsoft.com/office/powerpoint/2010/main" val="3411237832"/>
+      </p:ext>
+    </p:extLst>
+  </p:cSld>
+  <p:clrMapOvr>
+    <a:masterClrMapping/>
+  </p:clrMapOvr>
+</p:sld>
+</file>
+
 <file path=ppt/slides/slide4.xml><?xml version="1.0" encoding="utf-8"?>
 <p:sld xmlns:a="http://schemas.openxmlformats.org/drawingml/2006/main" xmlns:r="http://schemas.openxmlformats.org/officeDocument/2006/relationships" xmlns:p="http://schemas.openxmlformats.org/presentationml/2006/main">
   <p:cSld>
@@ -55334,6 +57022,534 @@
     <p:extLst>
       <p:ext uri="{BB962C8B-B14F-4D97-AF65-F5344CB8AC3E}">
         <p14:creationId xmlns:p14="http://schemas.microsoft.com/office/powerpoint/2010/main" val="100500947"/>
+      </p:ext>
+    </p:extLst>
+  </p:cSld>
+  <p:clrMapOvr>
+    <a:masterClrMapping/>
+  </p:clrMapOvr>
+</p:sld>
+</file>
+
+<file path=ppt/slides/slide40.xml><?xml version="1.0" encoding="utf-8"?>
+<p:sld xmlns:a="http://schemas.openxmlformats.org/drawingml/2006/main" xmlns:r="http://schemas.openxmlformats.org/officeDocument/2006/relationships" xmlns:p="http://schemas.openxmlformats.org/presentationml/2006/main">
+  <p:cSld>
+    <p:spTree>
+      <p:nvGrpSpPr>
+        <p:cNvPr id="1" name=""/>
+        <p:cNvGrpSpPr/>
+        <p:nvPr/>
+      </p:nvGrpSpPr>
+      <p:grpSpPr>
+        <a:xfrm>
+          <a:off x="0" y="0"/>
+          <a:ext cx="0" cy="0"/>
+          <a:chOff x="0" y="0"/>
+          <a:chExt cx="0" cy="0"/>
+        </a:xfrm>
+      </p:grpSpPr>
+      <p:sp>
+        <p:nvSpPr>
+          <p:cNvPr id="3" name="Title 2">
+            <a:extLst>
+              <a:ext uri="{FF2B5EF4-FFF2-40B4-BE49-F238E27FC236}">
+                <a16:creationId xmlns:a16="http://schemas.microsoft.com/office/drawing/2014/main" id="{CEDC0840-5118-4BFD-899F-D50C1A686498}"/>
+              </a:ext>
+            </a:extLst>
+          </p:cNvPr>
+          <p:cNvSpPr>
+            <a:spLocks noGrp="1"/>
+          </p:cNvSpPr>
+          <p:nvPr>
+            <p:ph type="title"/>
+          </p:nvPr>
+        </p:nvSpPr>
+        <p:spPr>
+          <a:xfrm>
+            <a:off x="305624" y="278130"/>
+            <a:ext cx="11616919" cy="474345"/>
+          </a:xfrm>
+        </p:spPr>
+        <p:txBody>
+          <a:bodyPr/>
+          <a:lstStyle/>
+          <a:p>
+            <a:r>
+              <a:rPr lang="en-US" altLang="zh-CN" dirty="0"/>
+              <a:t>Kernel</a:t>
+            </a:r>
+            <a:r>
+              <a:rPr lang="zh-CN" altLang="en-US" dirty="0"/>
+              <a:t>加载流程</a:t>
+            </a:r>
+            <a:endParaRPr lang="en-US" dirty="0"/>
+          </a:p>
+        </p:txBody>
+      </p:sp>
+      <p:sp>
+        <p:nvSpPr>
+          <p:cNvPr id="5" name="Text Placeholder 3">
+            <a:extLst>
+              <a:ext uri="{FF2B5EF4-FFF2-40B4-BE49-F238E27FC236}">
+                <a16:creationId xmlns:a16="http://schemas.microsoft.com/office/drawing/2014/main" id="{9E8F81F1-ED04-471C-A3F8-730F28377FAA}"/>
+              </a:ext>
+            </a:extLst>
+          </p:cNvPr>
+          <p:cNvSpPr>
+            <a:spLocks noGrp="1"/>
+          </p:cNvSpPr>
+          <p:nvPr>
+            <p:ph type="body" sz="quarter" idx="10"/>
+          </p:nvPr>
+        </p:nvSpPr>
+        <p:spPr>
+          <a:xfrm>
+            <a:off x="313245" y="752475"/>
+            <a:ext cx="11616919" cy="365011"/>
+          </a:xfrm>
+        </p:spPr>
+        <p:txBody>
+          <a:bodyPr/>
+          <a:lstStyle/>
+          <a:p>
+            <a:endParaRPr lang="en-US" dirty="0"/>
+          </a:p>
+        </p:txBody>
+      </p:sp>
+      <p:sp>
+        <p:nvSpPr>
+          <p:cNvPr id="4" name="Rectangle 3">
+            <a:extLst>
+              <a:ext uri="{FF2B5EF4-FFF2-40B4-BE49-F238E27FC236}">
+                <a16:creationId xmlns:a16="http://schemas.microsoft.com/office/drawing/2014/main" id="{489A3B9D-4680-48C7-B98F-FC50BAD2BF6F}"/>
+              </a:ext>
+            </a:extLst>
+          </p:cNvPr>
+          <p:cNvSpPr/>
+          <p:nvPr/>
+        </p:nvSpPr>
+        <p:spPr>
+          <a:xfrm>
+            <a:off x="1805050" y="1246909"/>
+            <a:ext cx="1626919" cy="700644"/>
+          </a:xfrm>
+          <a:prstGeom prst="rect">
+            <a:avLst/>
+          </a:prstGeom>
+          <a:noFill/>
+          <a:ln>
+            <a:solidFill>
+              <a:schemeClr val="bg1"/>
+            </a:solidFill>
+          </a:ln>
+          <a:effectLst/>
+        </p:spPr>
+        <p:style>
+          <a:lnRef idx="2">
+            <a:schemeClr val="accent1">
+              <a:shade val="50000"/>
+            </a:schemeClr>
+          </a:lnRef>
+          <a:fillRef idx="1">
+            <a:schemeClr val="accent1"/>
+          </a:fillRef>
+          <a:effectRef idx="0">
+            <a:schemeClr val="accent1"/>
+          </a:effectRef>
+          <a:fontRef idx="minor">
+            <a:schemeClr val="lt1"/>
+          </a:fontRef>
+        </p:style>
+        <p:txBody>
+          <a:bodyPr rtlCol="0" anchor="ctr"/>
+          <a:lstStyle/>
+          <a:p>
+            <a:pPr algn="ctr"/>
+            <a:r>
+              <a:rPr lang="en-US" altLang="zh-CN" dirty="0">
+                <a:solidFill>
+                  <a:schemeClr val="bg1"/>
+                </a:solidFill>
+              </a:rPr>
+              <a:t>initial</a:t>
+            </a:r>
+            <a:endParaRPr lang="en-US" dirty="0">
+              <a:solidFill>
+                <a:schemeClr val="bg1"/>
+              </a:solidFill>
+            </a:endParaRPr>
+          </a:p>
+        </p:txBody>
+      </p:sp>
+      <p:sp>
+        <p:nvSpPr>
+          <p:cNvPr id="6" name="Rectangle 5">
+            <a:extLst>
+              <a:ext uri="{FF2B5EF4-FFF2-40B4-BE49-F238E27FC236}">
+                <a16:creationId xmlns:a16="http://schemas.microsoft.com/office/drawing/2014/main" id="{3C59A5F0-9198-43DF-B52E-CFBB2FC1A4F9}"/>
+              </a:ext>
+            </a:extLst>
+          </p:cNvPr>
+          <p:cNvSpPr/>
+          <p:nvPr/>
+        </p:nvSpPr>
+        <p:spPr>
+          <a:xfrm>
+            <a:off x="1805049" y="2351314"/>
+            <a:ext cx="1626919" cy="700644"/>
+          </a:xfrm>
+          <a:prstGeom prst="rect">
+            <a:avLst/>
+          </a:prstGeom>
+          <a:noFill/>
+          <a:ln>
+            <a:solidFill>
+              <a:schemeClr val="bg1"/>
+            </a:solidFill>
+          </a:ln>
+          <a:effectLst/>
+        </p:spPr>
+        <p:style>
+          <a:lnRef idx="2">
+            <a:schemeClr val="accent1">
+              <a:shade val="50000"/>
+            </a:schemeClr>
+          </a:lnRef>
+          <a:fillRef idx="1">
+            <a:schemeClr val="accent1"/>
+          </a:fillRef>
+          <a:effectRef idx="0">
+            <a:schemeClr val="accent1"/>
+          </a:effectRef>
+          <a:fontRef idx="minor">
+            <a:schemeClr val="lt1"/>
+          </a:fontRef>
+        </p:style>
+        <p:txBody>
+          <a:bodyPr rtlCol="0" anchor="ctr"/>
+          <a:lstStyle/>
+          <a:p>
+            <a:pPr algn="ctr"/>
+            <a:r>
+              <a:rPr lang="zh-CN" altLang="en-US" dirty="0">
+                <a:solidFill>
+                  <a:schemeClr val="bg1"/>
+                </a:solidFill>
+              </a:rPr>
+              <a:t>读取二进制文件</a:t>
+            </a:r>
+            <a:endParaRPr lang="en-US" dirty="0">
+              <a:solidFill>
+                <a:schemeClr val="bg1"/>
+              </a:solidFill>
+            </a:endParaRPr>
+          </a:p>
+        </p:txBody>
+      </p:sp>
+      <p:sp>
+        <p:nvSpPr>
+          <p:cNvPr id="7" name="Rectangle 6">
+            <a:extLst>
+              <a:ext uri="{FF2B5EF4-FFF2-40B4-BE49-F238E27FC236}">
+                <a16:creationId xmlns:a16="http://schemas.microsoft.com/office/drawing/2014/main" id="{BF26649B-FB91-422B-A713-9962C63760EA}"/>
+              </a:ext>
+            </a:extLst>
+          </p:cNvPr>
+          <p:cNvSpPr/>
+          <p:nvPr/>
+        </p:nvSpPr>
+        <p:spPr>
+          <a:xfrm>
+            <a:off x="1805048" y="3325091"/>
+            <a:ext cx="1626919" cy="700644"/>
+          </a:xfrm>
+          <a:prstGeom prst="rect">
+            <a:avLst/>
+          </a:prstGeom>
+          <a:noFill/>
+          <a:ln>
+            <a:solidFill>
+              <a:schemeClr val="bg1"/>
+            </a:solidFill>
+          </a:ln>
+          <a:effectLst/>
+        </p:spPr>
+        <p:style>
+          <a:lnRef idx="2">
+            <a:schemeClr val="accent1">
+              <a:shade val="50000"/>
+            </a:schemeClr>
+          </a:lnRef>
+          <a:fillRef idx="1">
+            <a:schemeClr val="accent1"/>
+          </a:fillRef>
+          <a:effectRef idx="0">
+            <a:schemeClr val="accent1"/>
+          </a:effectRef>
+          <a:fontRef idx="minor">
+            <a:schemeClr val="lt1"/>
+          </a:fontRef>
+        </p:style>
+        <p:txBody>
+          <a:bodyPr rtlCol="0" anchor="ctr"/>
+          <a:lstStyle/>
+          <a:p>
+            <a:pPr algn="ctr"/>
+            <a:r>
+              <a:rPr lang="zh-CN" altLang="en-US" dirty="0">
+                <a:solidFill>
+                  <a:schemeClr val="bg1"/>
+                </a:solidFill>
+              </a:rPr>
+              <a:t>创建执行对象</a:t>
+            </a:r>
+            <a:endParaRPr lang="en-US" dirty="0">
+              <a:solidFill>
+                <a:schemeClr val="bg1"/>
+              </a:solidFill>
+            </a:endParaRPr>
+          </a:p>
+        </p:txBody>
+      </p:sp>
+      <p:sp>
+        <p:nvSpPr>
+          <p:cNvPr id="8" name="Rectangle 7">
+            <a:extLst>
+              <a:ext uri="{FF2B5EF4-FFF2-40B4-BE49-F238E27FC236}">
+                <a16:creationId xmlns:a16="http://schemas.microsoft.com/office/drawing/2014/main" id="{349C49AA-0AB1-46F9-A9A1-5123AD685995}"/>
+              </a:ext>
+            </a:extLst>
+          </p:cNvPr>
+          <p:cNvSpPr/>
+          <p:nvPr/>
+        </p:nvSpPr>
+        <p:spPr>
+          <a:xfrm>
+            <a:off x="1805048" y="4343957"/>
+            <a:ext cx="1626919" cy="700644"/>
+          </a:xfrm>
+          <a:prstGeom prst="rect">
+            <a:avLst/>
+          </a:prstGeom>
+          <a:noFill/>
+          <a:ln>
+            <a:solidFill>
+              <a:schemeClr val="bg1"/>
+            </a:solidFill>
+          </a:ln>
+          <a:effectLst/>
+        </p:spPr>
+        <p:style>
+          <a:lnRef idx="2">
+            <a:schemeClr val="accent1">
+              <a:shade val="50000"/>
+            </a:schemeClr>
+          </a:lnRef>
+          <a:fillRef idx="1">
+            <a:schemeClr val="accent1"/>
+          </a:fillRef>
+          <a:effectRef idx="0">
+            <a:schemeClr val="accent1"/>
+          </a:effectRef>
+          <a:fontRef idx="minor">
+            <a:schemeClr val="lt1"/>
+          </a:fontRef>
+        </p:style>
+        <p:txBody>
+          <a:bodyPr rtlCol="0" anchor="ctr"/>
+          <a:lstStyle/>
+          <a:p>
+            <a:pPr algn="ctr"/>
+            <a:r>
+              <a:rPr lang="zh-CN" altLang="en-US" dirty="0">
+                <a:solidFill>
+                  <a:schemeClr val="bg1"/>
+                </a:solidFill>
+              </a:rPr>
+              <a:t>加载</a:t>
+            </a:r>
+            <a:r>
+              <a:rPr lang="en-US" altLang="zh-CN" dirty="0" err="1">
+                <a:solidFill>
+                  <a:schemeClr val="bg1"/>
+                </a:solidFill>
+              </a:rPr>
+              <a:t>CodeObj</a:t>
+            </a:r>
+            <a:endParaRPr lang="en-US" dirty="0">
+              <a:solidFill>
+                <a:schemeClr val="bg1"/>
+              </a:solidFill>
+            </a:endParaRPr>
+          </a:p>
+        </p:txBody>
+      </p:sp>
+      <p:sp>
+        <p:nvSpPr>
+          <p:cNvPr id="9" name="Rectangle 8">
+            <a:extLst>
+              <a:ext uri="{FF2B5EF4-FFF2-40B4-BE49-F238E27FC236}">
+                <a16:creationId xmlns:a16="http://schemas.microsoft.com/office/drawing/2014/main" id="{18C7B16E-5A08-4241-843F-4FFE958C1D59}"/>
+              </a:ext>
+            </a:extLst>
+          </p:cNvPr>
+          <p:cNvSpPr/>
+          <p:nvPr/>
+        </p:nvSpPr>
+        <p:spPr>
+          <a:xfrm>
+            <a:off x="1805047" y="5378718"/>
+            <a:ext cx="1626919" cy="700644"/>
+          </a:xfrm>
+          <a:prstGeom prst="rect">
+            <a:avLst/>
+          </a:prstGeom>
+          <a:noFill/>
+          <a:ln>
+            <a:solidFill>
+              <a:schemeClr val="bg1"/>
+            </a:solidFill>
+          </a:ln>
+          <a:effectLst/>
+        </p:spPr>
+        <p:style>
+          <a:lnRef idx="2">
+            <a:schemeClr val="accent1">
+              <a:shade val="50000"/>
+            </a:schemeClr>
+          </a:lnRef>
+          <a:fillRef idx="1">
+            <a:schemeClr val="accent1"/>
+          </a:fillRef>
+          <a:effectRef idx="0">
+            <a:schemeClr val="accent1"/>
+          </a:effectRef>
+          <a:fontRef idx="minor">
+            <a:schemeClr val="lt1"/>
+          </a:fontRef>
+        </p:style>
+        <p:txBody>
+          <a:bodyPr rtlCol="0" anchor="ctr"/>
+          <a:lstStyle/>
+          <a:p>
+            <a:pPr algn="ctr"/>
+            <a:r>
+              <a:rPr lang="zh-CN" altLang="en-US" dirty="0">
+                <a:solidFill>
+                  <a:schemeClr val="bg1"/>
+                </a:solidFill>
+              </a:rPr>
+              <a:t>获取</a:t>
+            </a:r>
+            <a:r>
+              <a:rPr lang="en-US" altLang="zh-CN" dirty="0">
+                <a:solidFill>
+                  <a:schemeClr val="bg1"/>
+                </a:solidFill>
+              </a:rPr>
+              <a:t>kernel</a:t>
+            </a:r>
+            <a:r>
+              <a:rPr lang="zh-CN" altLang="en-US" dirty="0">
+                <a:solidFill>
+                  <a:schemeClr val="bg1"/>
+                </a:solidFill>
+              </a:rPr>
+              <a:t>符号</a:t>
+            </a:r>
+            <a:endParaRPr lang="en-US" dirty="0">
+              <a:solidFill>
+                <a:schemeClr val="bg1"/>
+              </a:solidFill>
+            </a:endParaRPr>
+          </a:p>
+        </p:txBody>
+      </p:sp>
+      <p:sp>
+        <p:nvSpPr>
+          <p:cNvPr id="10" name="Rectangle 9">
+            <a:extLst>
+              <a:ext uri="{FF2B5EF4-FFF2-40B4-BE49-F238E27FC236}">
+                <a16:creationId xmlns:a16="http://schemas.microsoft.com/office/drawing/2014/main" id="{6256F5A0-5B5B-4F07-AD44-887074246B0A}"/>
+              </a:ext>
+            </a:extLst>
+          </p:cNvPr>
+          <p:cNvSpPr/>
+          <p:nvPr/>
+        </p:nvSpPr>
+        <p:spPr>
+          <a:xfrm>
+            <a:off x="1805047" y="6483123"/>
+            <a:ext cx="1626919" cy="700644"/>
+          </a:xfrm>
+          <a:prstGeom prst="rect">
+            <a:avLst/>
+          </a:prstGeom>
+          <a:noFill/>
+          <a:ln>
+            <a:solidFill>
+              <a:schemeClr val="bg1"/>
+            </a:solidFill>
+          </a:ln>
+          <a:effectLst/>
+        </p:spPr>
+        <p:style>
+          <a:lnRef idx="2">
+            <a:schemeClr val="accent1">
+              <a:shade val="50000"/>
+            </a:schemeClr>
+          </a:lnRef>
+          <a:fillRef idx="1">
+            <a:schemeClr val="accent1"/>
+          </a:fillRef>
+          <a:effectRef idx="0">
+            <a:schemeClr val="accent1"/>
+          </a:effectRef>
+          <a:fontRef idx="minor">
+            <a:schemeClr val="lt1"/>
+          </a:fontRef>
+        </p:style>
+        <p:txBody>
+          <a:bodyPr rtlCol="0" anchor="ctr"/>
+          <a:lstStyle/>
+          <a:p>
+            <a:pPr algn="ctr"/>
+            <a:r>
+              <a:rPr lang="zh-CN" altLang="en-US" dirty="0">
+                <a:solidFill>
+                  <a:schemeClr val="bg1"/>
+                </a:solidFill>
+              </a:rPr>
+              <a:t>获取</a:t>
+            </a:r>
+            <a:r>
+              <a:rPr lang="en-US" altLang="zh-CN" dirty="0">
+                <a:solidFill>
+                  <a:schemeClr val="bg1"/>
+                </a:solidFill>
+              </a:rPr>
+              <a:t>kernel</a:t>
+            </a:r>
+            <a:r>
+              <a:rPr lang="zh-CN" altLang="en-US" dirty="0">
+                <a:solidFill>
+                  <a:schemeClr val="bg1"/>
+                </a:solidFill>
+              </a:rPr>
+              <a:t>地址</a:t>
+            </a:r>
+            <a:endParaRPr lang="en-US" dirty="0">
+              <a:solidFill>
+                <a:schemeClr val="bg1"/>
+              </a:solidFill>
+            </a:endParaRPr>
+          </a:p>
+        </p:txBody>
+      </p:sp>
+    </p:spTree>
+    <p:extLst>
+      <p:ext uri="{BB962C8B-B14F-4D97-AF65-F5344CB8AC3E}">
+        <p14:creationId xmlns:p14="http://schemas.microsoft.com/office/powerpoint/2010/main" val="4050936641"/>
       </p:ext>
     </p:extLst>
   </p:cSld>
